--- a/SupportingDocs/workflow.figures.pptx
+++ b/SupportingDocs/workflow.figures.pptx
@@ -289,7 +289,8 @@
           <a:p>
             <a:fld id="{E265DDD1-24ED-411A-866D-7B91A99F5523}" type="datetimeFigureOut">
               <a:rPr lang="en-US" smtClean="0"/>
-              <a:t>9/11/2012</a:t>
+              <a:pPr/>
+              <a:t>9/14/2012</a:t>
             </a:fld>
             <a:endParaRPr lang="en-US"/>
           </a:p>
@@ -331,6 +332,7 @@
           <a:p>
             <a:fld id="{8C6AE051-5D5A-4F3F-9DEF-4E5106EAF035}" type="slidenum">
               <a:rPr lang="en-US" smtClean="0"/>
+              <a:pPr/>
               <a:t>‹#›</a:t>
             </a:fld>
             <a:endParaRPr lang="en-US"/>
@@ -454,7 +456,8 @@
           <a:p>
             <a:fld id="{E265DDD1-24ED-411A-866D-7B91A99F5523}" type="datetimeFigureOut">
               <a:rPr lang="en-US" smtClean="0"/>
-              <a:t>9/11/2012</a:t>
+              <a:pPr/>
+              <a:t>9/14/2012</a:t>
             </a:fld>
             <a:endParaRPr lang="en-US"/>
           </a:p>
@@ -496,6 +499,7 @@
           <a:p>
             <a:fld id="{8C6AE051-5D5A-4F3F-9DEF-4E5106EAF035}" type="slidenum">
               <a:rPr lang="en-US" smtClean="0"/>
+              <a:pPr/>
               <a:t>‹#›</a:t>
             </a:fld>
             <a:endParaRPr lang="en-US"/>
@@ -629,7 +633,8 @@
           <a:p>
             <a:fld id="{E265DDD1-24ED-411A-866D-7B91A99F5523}" type="datetimeFigureOut">
               <a:rPr lang="en-US" smtClean="0"/>
-              <a:t>9/11/2012</a:t>
+              <a:pPr/>
+              <a:t>9/14/2012</a:t>
             </a:fld>
             <a:endParaRPr lang="en-US"/>
           </a:p>
@@ -671,6 +676,7 @@
           <a:p>
             <a:fld id="{8C6AE051-5D5A-4F3F-9DEF-4E5106EAF035}" type="slidenum">
               <a:rPr lang="en-US" smtClean="0"/>
+              <a:pPr/>
               <a:t>‹#›</a:t>
             </a:fld>
             <a:endParaRPr lang="en-US"/>
@@ -794,7 +800,8 @@
           <a:p>
             <a:fld id="{E265DDD1-24ED-411A-866D-7B91A99F5523}" type="datetimeFigureOut">
               <a:rPr lang="en-US" smtClean="0"/>
-              <a:t>9/11/2012</a:t>
+              <a:pPr/>
+              <a:t>9/14/2012</a:t>
             </a:fld>
             <a:endParaRPr lang="en-US"/>
           </a:p>
@@ -836,6 +843,7 @@
           <a:p>
             <a:fld id="{8C6AE051-5D5A-4F3F-9DEF-4E5106EAF035}" type="slidenum">
               <a:rPr lang="en-US" smtClean="0"/>
+              <a:pPr/>
               <a:t>‹#›</a:t>
             </a:fld>
             <a:endParaRPr lang="en-US"/>
@@ -1035,7 +1043,8 @@
           <a:p>
             <a:fld id="{E265DDD1-24ED-411A-866D-7B91A99F5523}" type="datetimeFigureOut">
               <a:rPr lang="en-US" smtClean="0"/>
-              <a:t>9/11/2012</a:t>
+              <a:pPr/>
+              <a:t>9/14/2012</a:t>
             </a:fld>
             <a:endParaRPr lang="en-US"/>
           </a:p>
@@ -1077,6 +1086,7 @@
           <a:p>
             <a:fld id="{8C6AE051-5D5A-4F3F-9DEF-4E5106EAF035}" type="slidenum">
               <a:rPr lang="en-US" smtClean="0"/>
+              <a:pPr/>
               <a:t>‹#›</a:t>
             </a:fld>
             <a:endParaRPr lang="en-US"/>
@@ -1318,7 +1328,8 @@
           <a:p>
             <a:fld id="{E265DDD1-24ED-411A-866D-7B91A99F5523}" type="datetimeFigureOut">
               <a:rPr lang="en-US" smtClean="0"/>
-              <a:t>9/11/2012</a:t>
+              <a:pPr/>
+              <a:t>9/14/2012</a:t>
             </a:fld>
             <a:endParaRPr lang="en-US"/>
           </a:p>
@@ -1360,6 +1371,7 @@
           <a:p>
             <a:fld id="{8C6AE051-5D5A-4F3F-9DEF-4E5106EAF035}" type="slidenum">
               <a:rPr lang="en-US" smtClean="0"/>
+              <a:pPr/>
               <a:t>‹#›</a:t>
             </a:fld>
             <a:endParaRPr lang="en-US"/>
@@ -1735,7 +1747,8 @@
           <a:p>
             <a:fld id="{E265DDD1-24ED-411A-866D-7B91A99F5523}" type="datetimeFigureOut">
               <a:rPr lang="en-US" smtClean="0"/>
-              <a:t>9/11/2012</a:t>
+              <a:pPr/>
+              <a:t>9/14/2012</a:t>
             </a:fld>
             <a:endParaRPr lang="en-US"/>
           </a:p>
@@ -1777,6 +1790,7 @@
           <a:p>
             <a:fld id="{8C6AE051-5D5A-4F3F-9DEF-4E5106EAF035}" type="slidenum">
               <a:rPr lang="en-US" smtClean="0"/>
+              <a:pPr/>
               <a:t>‹#›</a:t>
             </a:fld>
             <a:endParaRPr lang="en-US"/>
@@ -1848,7 +1862,8 @@
           <a:p>
             <a:fld id="{E265DDD1-24ED-411A-866D-7B91A99F5523}" type="datetimeFigureOut">
               <a:rPr lang="en-US" smtClean="0"/>
-              <a:t>9/11/2012</a:t>
+              <a:pPr/>
+              <a:t>9/14/2012</a:t>
             </a:fld>
             <a:endParaRPr lang="en-US"/>
           </a:p>
@@ -1890,6 +1905,7 @@
           <a:p>
             <a:fld id="{8C6AE051-5D5A-4F3F-9DEF-4E5106EAF035}" type="slidenum">
               <a:rPr lang="en-US" smtClean="0"/>
+              <a:pPr/>
               <a:t>‹#›</a:t>
             </a:fld>
             <a:endParaRPr lang="en-US"/>
@@ -1938,7 +1954,8 @@
           <a:p>
             <a:fld id="{E265DDD1-24ED-411A-866D-7B91A99F5523}" type="datetimeFigureOut">
               <a:rPr lang="en-US" smtClean="0"/>
-              <a:t>9/11/2012</a:t>
+              <a:pPr/>
+              <a:t>9/14/2012</a:t>
             </a:fld>
             <a:endParaRPr lang="en-US"/>
           </a:p>
@@ -1980,6 +1997,7 @@
           <a:p>
             <a:fld id="{8C6AE051-5D5A-4F3F-9DEF-4E5106EAF035}" type="slidenum">
               <a:rPr lang="en-US" smtClean="0"/>
+              <a:pPr/>
               <a:t>‹#›</a:t>
             </a:fld>
             <a:endParaRPr lang="en-US"/>
@@ -2210,7 +2228,8 @@
           <a:p>
             <a:fld id="{E265DDD1-24ED-411A-866D-7B91A99F5523}" type="datetimeFigureOut">
               <a:rPr lang="en-US" smtClean="0"/>
-              <a:t>9/11/2012</a:t>
+              <a:pPr/>
+              <a:t>9/14/2012</a:t>
             </a:fld>
             <a:endParaRPr lang="en-US"/>
           </a:p>
@@ -2252,6 +2271,7 @@
           <a:p>
             <a:fld id="{8C6AE051-5D5A-4F3F-9DEF-4E5106EAF035}" type="slidenum">
               <a:rPr lang="en-US" smtClean="0"/>
+              <a:pPr/>
               <a:t>‹#›</a:t>
             </a:fld>
             <a:endParaRPr lang="en-US"/>
@@ -2458,7 +2478,8 @@
           <a:p>
             <a:fld id="{E265DDD1-24ED-411A-866D-7B91A99F5523}" type="datetimeFigureOut">
               <a:rPr lang="en-US" smtClean="0"/>
-              <a:t>9/11/2012</a:t>
+              <a:pPr/>
+              <a:t>9/14/2012</a:t>
             </a:fld>
             <a:endParaRPr lang="en-US"/>
           </a:p>
@@ -2500,6 +2521,7 @@
           <a:p>
             <a:fld id="{8C6AE051-5D5A-4F3F-9DEF-4E5106EAF035}" type="slidenum">
               <a:rPr lang="en-US" smtClean="0"/>
+              <a:pPr/>
               <a:t>‹#›</a:t>
             </a:fld>
             <a:endParaRPr lang="en-US"/>
@@ -2666,7 +2688,8 @@
           <a:p>
             <a:fld id="{E265DDD1-24ED-411A-866D-7B91A99F5523}" type="datetimeFigureOut">
               <a:rPr lang="en-US" smtClean="0"/>
-              <a:t>9/11/2012</a:t>
+              <a:pPr/>
+              <a:t>9/14/2012</a:t>
             </a:fld>
             <a:endParaRPr lang="en-US"/>
           </a:p>
@@ -2744,6 +2767,7 @@
           <a:p>
             <a:fld id="{8C6AE051-5D5A-4F3F-9DEF-4E5106EAF035}" type="slidenum">
               <a:rPr lang="en-US" smtClean="0"/>
+              <a:pPr/>
               <a:t>‹#›</a:t>
             </a:fld>
             <a:endParaRPr lang="en-US"/>
@@ -4423,7 +4447,7 @@
                   <a:latin typeface="Courier New" pitchFamily="49" charset="0"/>
                   <a:cs typeface="Arial" pitchFamily="34" charset="0"/>
                 </a:rPr>
-                <a:t>missing</a:t>
+                <a:t>miss</a:t>
               </a:r>
               <a:endParaRPr kumimoji="0" lang="en-US" sz="1800" b="0" i="0" u="none" strike="noStrike" cap="none" normalizeH="0" baseline="0" dirty="0" smtClean="0">
                 <a:ln>
